--- a/Защита проекта Кафка для разработчиков Гонтарь Роман.pptx
+++ b/Защита проекта Кафка для разработчиков Гонтарь Роман.pptx
@@ -284,8 +284,11 @@
     </a:lvl9pPr>
   </p:defaultTextStyle>
   <p:extLst>
+    <p:ext uri="{EFAFB233-063F-42B5-8137-9DF3F51BA10A}">
+      <p15:sldGuideLst xmlns:p15="http://schemas.microsoft.com/office/powerpoint/2012/main"/>
+    </p:ext>
     <p:ext uri="GoogleSlidesCustomDataVersion2">
-      <go:slidesCustomData xmlns:go="http://customooxmlschemas.google.com/" xmlns:ahyp="http://schemas.microsoft.com/office/drawing/2018/hyperlinkcolor" xmlns:p15="http://schemas.microsoft.com/office/powerpoint/2012/main" xmlns:p14="http://schemas.microsoft.com/office/powerpoint/2010/main" xmlns:com="http://schemas.openxmlformats.org/drawingml/2006/compatibility" xmlns:pvml="urn:schemas-microsoft-com:office:powerpoint" xmlns:v="urn:schemas-microsoft-com:vml" xmlns:o="urn:schemas-microsoft-com:office:office" xmlns:dgm="http://schemas.openxmlformats.org/drawingml/2006/diagram" xmlns:c="http://schemas.openxmlformats.org/drawingml/2006/chart" xmlns:mv="urn:schemas-microsoft-com:mac:vml" xmlns:mc="http://schemas.openxmlformats.org/markup-compatibility/2006" xmlns="" r:id="rId31" roundtripDataSignature="AMtx7miCOH0sT8lBEkTxWjZr0zMOQwopcg=="/>
+      <go:slidesCustomData xmlns="" xmlns:mc="http://schemas.openxmlformats.org/markup-compatibility/2006" xmlns:mv="urn:schemas-microsoft-com:mac:vml" xmlns:c="http://schemas.openxmlformats.org/drawingml/2006/chart" xmlns:dgm="http://schemas.openxmlformats.org/drawingml/2006/diagram" xmlns:o="urn:schemas-microsoft-com:office:office" xmlns:v="urn:schemas-microsoft-com:vml" xmlns:pvml="urn:schemas-microsoft-com:office:powerpoint" xmlns:com="http://schemas.openxmlformats.org/drawingml/2006/compatibility" xmlns:p14="http://schemas.microsoft.com/office/powerpoint/2010/main" xmlns:p15="http://schemas.microsoft.com/office/powerpoint/2012/main" xmlns:ahyp="http://schemas.microsoft.com/office/drawing/2018/hyperlinkcolor" xmlns:go="http://customooxmlschemas.google.com/" r:id="rId31" roundtripDataSignature="AMtx7miCOH0sT8lBEkTxWjZr0zMOQwopcg=="/>
     </p:ext>
   </p:extLst>
 </p:presentation>
@@ -13401,8 +13404,8 @@
         </p:nvSpPr>
         <p:spPr>
           <a:xfrm>
-            <a:off x="435946" y="2449753"/>
-            <a:ext cx="8670900" cy="1970100"/>
+            <a:off x="435946" y="2942360"/>
+            <a:ext cx="8670900" cy="984885"/>
           </a:xfrm>
           <a:prstGeom prst="rect">
             <a:avLst/>
@@ -13433,15 +13436,8 @@
               <a:buNone/>
             </a:pPr>
             <a:r>
-              <a:rPr lang="ru-RU"/>
-              <a:t>Название</a:t>
-            </a:r>
-            <a:br>
-              <a:rPr lang="ru-RU"/>
-            </a:br>
-            <a:r>
-              <a:rPr lang="ru-RU"/>
-              <a:t>презентации</a:t>
+              <a:rPr lang="ru-RU" dirty="0"/>
+              <a:t>Итоговый проект</a:t>
             </a:r>
             <a:endParaRPr dirty="0"/>
           </a:p>
@@ -13543,10 +13539,10 @@
               <a:buNone/>
             </a:pPr>
             <a:r>
-              <a:rPr lang="ru-RU"/>
-              <a:t>План урока</a:t>
+              <a:rPr lang="ru-RU" dirty="0"/>
+              <a:t>План проекта</a:t>
             </a:r>
-            <a:endParaRPr/>
+            <a:endParaRPr dirty="0"/>
           </a:p>
         </p:txBody>
       </p:sp>
@@ -13796,7 +13792,7 @@
                 <a:buNone/>
               </a:pPr>
               <a:r>
-                <a:rPr lang="ru-RU" sz="1800">
+                <a:rPr lang="ru-RU" sz="1800" dirty="0">
                   <a:solidFill>
                     <a:srgbClr val="161518"/>
                   </a:solidFill>
@@ -13807,7 +13803,7 @@
                 </a:rPr>
                 <a:t>Этапы работы над проектом</a:t>
               </a:r>
-              <a:endParaRPr sz="1800">
+              <a:endParaRPr sz="1800" dirty="0">
                 <a:solidFill>
                   <a:srgbClr val="161518"/>
                 </a:solidFill>
@@ -13935,7 +13931,7 @@
                 <a:buNone/>
               </a:pPr>
               <a:r>
-                <a:rPr lang="ru-RU" sz="1800">
+                <a:rPr lang="ru-RU" sz="1800" dirty="0">
                   <a:solidFill>
                     <a:srgbClr val="161518"/>
                   </a:solidFill>
@@ -13946,7 +13942,7 @@
                 </a:rPr>
                 <a:t>Сложности</a:t>
               </a:r>
-              <a:endParaRPr/>
+              <a:endParaRPr dirty="0"/>
             </a:p>
           </p:txBody>
         </p:sp>
@@ -14066,7 +14062,7 @@
                 <a:buNone/>
               </a:pPr>
               <a:r>
-                <a:rPr lang="ru-RU" sz="1800">
+                <a:rPr lang="ru-RU" sz="1800" dirty="0">
                   <a:solidFill>
                     <a:srgbClr val="161518"/>
                   </a:solidFill>
@@ -14077,7 +14073,7 @@
                 </a:rPr>
                 <a:t>Интересные решения</a:t>
               </a:r>
-              <a:endParaRPr/>
+              <a:endParaRPr dirty="0"/>
             </a:p>
           </p:txBody>
         </p:sp>
@@ -14116,7 +14112,7 @@
         <p:spPr>
           <a:xfrm>
             <a:off x="5697698" y="1349040"/>
-            <a:ext cx="6060900" cy="4269000"/>
+            <a:ext cx="6060900" cy="4926714"/>
           </a:xfrm>
           <a:prstGeom prst="rect">
             <a:avLst/>
@@ -14150,7 +14146,7 @@
               <a:buNone/>
             </a:pPr>
             <a:r>
-              <a:rPr lang="ru-RU" sz="1733">
+              <a:rPr lang="ru-RU" sz="1733" dirty="0">
                 <a:solidFill>
                   <a:srgbClr val="161518"/>
                 </a:solidFill>
@@ -14161,7 +14157,7 @@
               </a:rPr>
               <a:t>Автор проекта</a:t>
             </a:r>
-            <a:endParaRPr sz="1733" b="0" i="0" u="none" strike="noStrike" cap="none">
+            <a:endParaRPr sz="1733" b="0" i="0" u="none" strike="noStrike" cap="none" dirty="0">
               <a:solidFill>
                 <a:srgbClr val="161518"/>
               </a:solidFill>
@@ -14190,7 +14186,7 @@
               <a:buNone/>
             </a:pPr>
             <a:r>
-              <a:rPr lang="ru-RU" sz="4000" b="0" i="0" u="none" strike="noStrike" cap="none">
+              <a:rPr lang="ru-RU" sz="4000" dirty="0">
                 <a:solidFill>
                   <a:srgbClr val="5C76FF"/>
                 </a:solidFill>
@@ -14199,32 +14195,9 @@
                 <a:cs typeface="Inter Black"/>
                 <a:sym typeface="Inter Black"/>
               </a:rPr>
-              <a:t>Александр</a:t>
+              <a:t>Роман Гонтарь</a:t>
             </a:r>
-            <a:br>
-              <a:rPr lang="ru-RU" sz="4000" b="0" i="0" u="none" strike="noStrike" cap="none">
-                <a:solidFill>
-                  <a:srgbClr val="5C76FF"/>
-                </a:solidFill>
-                <a:latin typeface="Inter Black"/>
-                <a:ea typeface="Inter Black"/>
-                <a:cs typeface="Inter Black"/>
-                <a:sym typeface="Inter Black"/>
-              </a:rPr>
-            </a:br>
-            <a:r>
-              <a:rPr lang="ru-RU" sz="4000" b="0" i="0" u="none" strike="noStrike" cap="none">
-                <a:solidFill>
-                  <a:srgbClr val="5C76FF"/>
-                </a:solidFill>
-                <a:latin typeface="Inter Black"/>
-                <a:ea typeface="Inter Black"/>
-                <a:cs typeface="Inter Black"/>
-                <a:sym typeface="Inter Black"/>
-              </a:rPr>
-              <a:t>Стаховский</a:t>
-            </a:r>
-            <a:endParaRPr sz="4000" b="0" i="0" u="none" strike="noStrike" cap="none">
+            <a:endParaRPr sz="4000" b="0" i="0" u="none" strike="noStrike" cap="none" dirty="0">
               <a:solidFill>
                 <a:srgbClr val="5C76FF"/>
               </a:solidFill>
@@ -14253,7 +14226,7 @@
               <a:buNone/>
             </a:pPr>
             <a:r>
-              <a:rPr lang="ru-RU" sz="2400">
+              <a:rPr lang="ru-RU" sz="2400" dirty="0">
                 <a:solidFill>
                   <a:srgbClr val="170F63"/>
                 </a:solidFill>
@@ -14262,10 +14235,10 @@
                 <a:cs typeface="Inter"/>
                 <a:sym typeface="Inter"/>
               </a:rPr>
-              <a:t>Разработчик</a:t>
+              <a:t>Технический директор</a:t>
             </a:r>
             <a:br>
-              <a:rPr lang="ru-RU" sz="2400" b="0" i="0" u="none" strike="noStrike" cap="none">
+              <a:rPr lang="ru-RU" sz="2400" b="0" i="0" u="none" strike="noStrike" cap="none" dirty="0">
                 <a:solidFill>
                   <a:srgbClr val="170F63"/>
                 </a:solidFill>
@@ -14275,7 +14248,7 @@
                 <a:sym typeface="Inter"/>
               </a:rPr>
             </a:br>
-            <a:endParaRPr sz="2400" b="0" i="0" u="none" strike="noStrike" cap="none">
+            <a:endParaRPr sz="2400" b="0" i="0" u="none" strike="noStrike" cap="none" dirty="0">
               <a:solidFill>
                 <a:srgbClr val="170F63"/>
               </a:solidFill>
@@ -14304,18 +14277,39 @@
               <a:buChar char="•"/>
             </a:pPr>
             <a:r>
-              <a:rPr lang="ru-RU" sz="2000" b="0" i="0" u="none" strike="noStrike" cap="none">
+              <a:rPr lang="ru-RU" sz="2000" dirty="0">
                 <a:solidFill>
                   <a:srgbClr val="161518"/>
                 </a:solidFill>
                 <a:latin typeface="Inter"/>
                 <a:ea typeface="Inter"/>
-                <a:cs typeface="Inter"/>
                 <a:sym typeface="Inter"/>
               </a:rPr>
-              <a:t>Работал тут</a:t>
+              <a:t>ОАО «Белгородэнерго», ОАО «</a:t>
             </a:r>
-            <a:endParaRPr/>
+            <a:r>
+              <a:rPr lang="ru-RU" sz="2000" dirty="0" err="1">
+                <a:solidFill>
+                  <a:srgbClr val="161518"/>
+                </a:solidFill>
+                <a:latin typeface="Inter"/>
+                <a:ea typeface="Inter"/>
+                <a:sym typeface="Inter"/>
+              </a:rPr>
+              <a:t>КорССис</a:t>
+            </a:r>
+            <a:r>
+              <a:rPr lang="ru-RU" sz="2000" dirty="0">
+                <a:solidFill>
+                  <a:srgbClr val="161518"/>
+                </a:solidFill>
+                <a:latin typeface="Inter"/>
+                <a:ea typeface="Inter"/>
+                <a:sym typeface="Inter"/>
+              </a:rPr>
+              <a:t>»</a:t>
+            </a:r>
+            <a:endParaRPr dirty="0"/>
           </a:p>
           <a:p>
             <a:pPr marL="342900" marR="0" lvl="0" indent="-342900" algn="l" rtl="0">
@@ -14336,18 +14330,38 @@
               <a:buChar char="•"/>
             </a:pPr>
             <a:r>
-              <a:rPr lang="ru-RU" sz="2000" b="0" i="0" u="none" strike="noStrike" cap="none">
+              <a:rPr lang="ru-RU" sz="2000" dirty="0">
                 <a:solidFill>
                   <a:srgbClr val="161518"/>
                 </a:solidFill>
                 <a:latin typeface="Inter"/>
                 <a:ea typeface="Inter"/>
-                <a:cs typeface="Inter"/>
                 <a:sym typeface="Inter"/>
               </a:rPr>
-              <a:t>Работал там</a:t>
+              <a:t>ГК «</a:t>
             </a:r>
-            <a:endParaRPr/>
+            <a:r>
+              <a:rPr lang="ru-RU" sz="2000" dirty="0" err="1">
+                <a:solidFill>
+                  <a:srgbClr val="161518"/>
+                </a:solidFill>
+                <a:latin typeface="Inter"/>
+                <a:ea typeface="Inter"/>
+                <a:sym typeface="Inter"/>
+              </a:rPr>
+              <a:t>Денекси</a:t>
+            </a:r>
+            <a:r>
+              <a:rPr lang="ru-RU" sz="2000" dirty="0">
+                <a:solidFill>
+                  <a:srgbClr val="161518"/>
+                </a:solidFill>
+                <a:latin typeface="Inter"/>
+                <a:ea typeface="Inter"/>
+                <a:sym typeface="Inter"/>
+              </a:rPr>
+              <a:t>»</a:t>
+            </a:r>
           </a:p>
           <a:p>
             <a:pPr marL="342900" marR="0" lvl="0" indent="-342900" algn="l" rtl="0">
@@ -14368,58 +14382,36 @@
               <a:buChar char="•"/>
             </a:pPr>
             <a:r>
-              <a:rPr lang="ru-RU" sz="2000" b="0" i="0" u="none" strike="noStrike" cap="none">
-                <a:solidFill>
-                  <a:srgbClr val="161518"/>
-                </a:solidFill>
-                <a:latin typeface="Inter"/>
-                <a:ea typeface="Inter"/>
-                <a:cs typeface="Inter"/>
-                <a:sym typeface="Inter"/>
-              </a:rPr>
-              <a:t>Создал то</a:t>
+              <a:rPr lang="ru-RU" dirty="0"/>
+              <a:t>Работа в разных областях индустрии, начиная от веб-приложений и заканчивая профессиональными устройствами на микроконтроллерах.</a:t>
             </a:r>
-            <a:endParaRPr sz="2000" b="0" i="0" u="none" strike="noStrike" cap="none">
-              <a:solidFill>
-                <a:srgbClr val="161518"/>
-              </a:solidFill>
-              <a:latin typeface="Inter"/>
-              <a:ea typeface="Inter"/>
-              <a:cs typeface="Inter"/>
-              <a:sym typeface="Inter"/>
-            </a:endParaRPr>
+          </a:p>
+          <a:p>
+            <a:pPr marL="342900" marR="0" lvl="0" indent="-342900" algn="l" rtl="0">
+              <a:lnSpc>
+                <a:spcPct val="100000"/>
+              </a:lnSpc>
+              <a:spcBef>
+                <a:spcPts val="1333"/>
+              </a:spcBef>
+              <a:spcAft>
+                <a:spcPts val="0"/>
+              </a:spcAft>
+              <a:buClr>
+                <a:srgbClr val="170F63"/>
+              </a:buClr>
+              <a:buSzPts val="2000"/>
+              <a:buFont typeface="Arial"/>
+              <a:buChar char="•"/>
+            </a:pPr>
+            <a:r>
+              <a:rPr lang="ru-RU" dirty="0"/>
+              <a:t>Сейчас в основном работа в агропромышленном секторе экономики, связанная с ГИС-системами. Чем, собственно, и обусловлена тема итогового проекта.</a:t>
+            </a:r>
+            <a:endParaRPr dirty="0"/>
           </a:p>
         </p:txBody>
       </p:sp>
-      <p:pic>
-        <p:nvPicPr>
-          <p:cNvPr id="130" name="Google Shape;130;g30f50983b46_0_179" descr="Изображение выглядит как человек, Человеческое лицо, одежда, на открытом воздухе&#10;&#10;Автоматически созданное описание"/>
-          <p:cNvPicPr preferRelativeResize="0"/>
-          <p:nvPr/>
-        </p:nvPicPr>
-        <p:blipFill rotWithShape="1">
-          <a:blip r:embed="rId3">
-            <a:alphaModFix/>
-          </a:blip>
-          <a:srcRect t="2832" b="30509"/>
-          <a:stretch/>
-        </p:blipFill>
-        <p:spPr>
-          <a:xfrm>
-            <a:off x="433536" y="1349040"/>
-            <a:ext cx="4800000" cy="4800000"/>
-          </a:xfrm>
-          <a:prstGeom prst="roundRect">
-            <a:avLst>
-              <a:gd name="adj" fmla="val 6539"/>
-            </a:avLst>
-          </a:prstGeom>
-          <a:noFill/>
-          <a:ln>
-            <a:noFill/>
-          </a:ln>
-        </p:spPr>
-      </p:pic>
     </p:spTree>
   </p:cSld>
   <p:clrMapOvr>
